--- a/SST_usercase.pptx
+++ b/SST_usercase.pptx
@@ -274,7 +274,7 @@
           <a:p>
             <a:fld id="{08611BA7-07B0-CF4C-8881-913FA26969CB}" type="datetimeFigureOut">
               <a:rPr lang="en-US" smtClean="0"/>
-              <a:t>4/21/20</a:t>
+              <a:t>4/26/20</a:t>
             </a:fld>
             <a:endParaRPr lang="en-US"/>
           </a:p>
@@ -472,7 +472,7 @@
           <a:p>
             <a:fld id="{08611BA7-07B0-CF4C-8881-913FA26969CB}" type="datetimeFigureOut">
               <a:rPr lang="en-US" smtClean="0"/>
-              <a:t>4/21/20</a:t>
+              <a:t>4/26/20</a:t>
             </a:fld>
             <a:endParaRPr lang="en-US"/>
           </a:p>
@@ -680,7 +680,7 @@
           <a:p>
             <a:fld id="{08611BA7-07B0-CF4C-8881-913FA26969CB}" type="datetimeFigureOut">
               <a:rPr lang="en-US" smtClean="0"/>
-              <a:t>4/21/20</a:t>
+              <a:t>4/26/20</a:t>
             </a:fld>
             <a:endParaRPr lang="en-US"/>
           </a:p>
@@ -878,7 +878,7 @@
           <a:p>
             <a:fld id="{08611BA7-07B0-CF4C-8881-913FA26969CB}" type="datetimeFigureOut">
               <a:rPr lang="en-US" smtClean="0"/>
-              <a:t>4/21/20</a:t>
+              <a:t>4/26/20</a:t>
             </a:fld>
             <a:endParaRPr lang="en-US"/>
           </a:p>
@@ -1153,7 +1153,7 @@
           <a:p>
             <a:fld id="{08611BA7-07B0-CF4C-8881-913FA26969CB}" type="datetimeFigureOut">
               <a:rPr lang="en-US" smtClean="0"/>
-              <a:t>4/21/20</a:t>
+              <a:t>4/26/20</a:t>
             </a:fld>
             <a:endParaRPr lang="en-US"/>
           </a:p>
@@ -1418,7 +1418,7 @@
           <a:p>
             <a:fld id="{08611BA7-07B0-CF4C-8881-913FA26969CB}" type="datetimeFigureOut">
               <a:rPr lang="en-US" smtClean="0"/>
-              <a:t>4/21/20</a:t>
+              <a:t>4/26/20</a:t>
             </a:fld>
             <a:endParaRPr lang="en-US"/>
           </a:p>
@@ -1830,7 +1830,7 @@
           <a:p>
             <a:fld id="{08611BA7-07B0-CF4C-8881-913FA26969CB}" type="datetimeFigureOut">
               <a:rPr lang="en-US" smtClean="0"/>
-              <a:t>4/21/20</a:t>
+              <a:t>4/26/20</a:t>
             </a:fld>
             <a:endParaRPr lang="en-US"/>
           </a:p>
@@ -1971,7 +1971,7 @@
           <a:p>
             <a:fld id="{08611BA7-07B0-CF4C-8881-913FA26969CB}" type="datetimeFigureOut">
               <a:rPr lang="en-US" smtClean="0"/>
-              <a:t>4/21/20</a:t>
+              <a:t>4/26/20</a:t>
             </a:fld>
             <a:endParaRPr lang="en-US"/>
           </a:p>
@@ -2084,7 +2084,7 @@
           <a:p>
             <a:fld id="{08611BA7-07B0-CF4C-8881-913FA26969CB}" type="datetimeFigureOut">
               <a:rPr lang="en-US" smtClean="0"/>
-              <a:t>4/21/20</a:t>
+              <a:t>4/26/20</a:t>
             </a:fld>
             <a:endParaRPr lang="en-US"/>
           </a:p>
@@ -2395,7 +2395,7 @@
           <a:p>
             <a:fld id="{08611BA7-07B0-CF4C-8881-913FA26969CB}" type="datetimeFigureOut">
               <a:rPr lang="en-US" smtClean="0"/>
-              <a:t>4/21/20</a:t>
+              <a:t>4/26/20</a:t>
             </a:fld>
             <a:endParaRPr lang="en-US"/>
           </a:p>
@@ -2683,7 +2683,7 @@
           <a:p>
             <a:fld id="{08611BA7-07B0-CF4C-8881-913FA26969CB}" type="datetimeFigureOut">
               <a:rPr lang="en-US" smtClean="0"/>
-              <a:t>4/21/20</a:t>
+              <a:t>4/26/20</a:t>
             </a:fld>
             <a:endParaRPr lang="en-US"/>
           </a:p>
@@ -2924,7 +2924,7 @@
           <a:p>
             <a:fld id="{08611BA7-07B0-CF4C-8881-913FA26969CB}" type="datetimeFigureOut">
               <a:rPr lang="en-US" smtClean="0"/>
-              <a:t>4/21/20</a:t>
+              <a:t>4/26/20</a:t>
             </a:fld>
             <a:endParaRPr lang="en-US"/>
           </a:p>
@@ -3480,7 +3480,7 @@
         </p:blipFill>
         <p:spPr bwMode="auto">
           <a:xfrm>
-            <a:off x="751114" y="1690688"/>
+            <a:off x="-97972" y="1690688"/>
             <a:ext cx="9041648" cy="3924263"/>
           </a:xfrm>
           <a:prstGeom prst="rect">
@@ -3496,6 +3496,270 @@
           </a:extLst>
         </p:spPr>
       </p:pic>
+      <p:pic>
+        <p:nvPicPr>
+          <p:cNvPr id="5" name="Picture 4">
+            <a:extLst>
+              <a:ext uri="{FF2B5EF4-FFF2-40B4-BE49-F238E27FC236}">
+                <a16:creationId xmlns:a16="http://schemas.microsoft.com/office/drawing/2014/main" id="{74D9DB3D-61A9-3A4F-8C08-0B961FBAADC8}"/>
+              </a:ext>
+            </a:extLst>
+          </p:cNvPr>
+          <p:cNvPicPr/>
+          <p:nvPr/>
+        </p:nvPicPr>
+        <p:blipFill rotWithShape="1">
+          <a:blip r:embed="rId2">
+            <a:extLst>
+              <a:ext uri="{28A0092B-C50C-407E-A947-70E740481C1C}">
+                <a14:useLocalDpi xmlns:a14="http://schemas.microsoft.com/office/drawing/2010/main" val="0"/>
+              </a:ext>
+            </a:extLst>
+          </a:blip>
+          <a:srcRect l="4212" t="58654" r="76821"/>
+          <a:stretch/>
+        </p:blipFill>
+        <p:spPr bwMode="auto">
+          <a:xfrm>
+            <a:off x="8522022" y="1690687"/>
+            <a:ext cx="2275413" cy="3924263"/>
+          </a:xfrm>
+          <a:prstGeom prst="rect">
+            <a:avLst/>
+          </a:prstGeom>
+          <a:ln>
+            <a:noFill/>
+          </a:ln>
+          <a:extLst>
+            <a:ext uri="{53640926-AAD7-44D8-BBD7-CCE9431645EC}">
+              <a14:shadowObscured xmlns:a14="http://schemas.microsoft.com/office/drawing/2010/main"/>
+            </a:ext>
+          </a:extLst>
+        </p:spPr>
+      </p:pic>
+      <p:cxnSp>
+        <p:nvCxnSpPr>
+          <p:cNvPr id="6" name="Straight Arrow Connector 5">
+            <a:extLst>
+              <a:ext uri="{FF2B5EF4-FFF2-40B4-BE49-F238E27FC236}">
+                <a16:creationId xmlns:a16="http://schemas.microsoft.com/office/drawing/2014/main" id="{B81887AC-7DB3-6E4E-AD3C-9CF42C9F7E21}"/>
+              </a:ext>
+            </a:extLst>
+          </p:cNvPr>
+          <p:cNvCxnSpPr/>
+          <p:nvPr/>
+        </p:nvCxnSpPr>
+        <p:spPr>
+          <a:xfrm>
+            <a:off x="370114" y="6008914"/>
+            <a:ext cx="10199915" cy="0"/>
+          </a:xfrm>
+          <a:prstGeom prst="straightConnector1">
+            <a:avLst/>
+          </a:prstGeom>
+          <a:ln>
+            <a:headEnd type="triangle"/>
+            <a:tailEnd type="triangle"/>
+          </a:ln>
+        </p:spPr>
+        <p:style>
+          <a:lnRef idx="3">
+            <a:schemeClr val="dk1"/>
+          </a:lnRef>
+          <a:fillRef idx="0">
+            <a:schemeClr val="dk1"/>
+          </a:fillRef>
+          <a:effectRef idx="2">
+            <a:schemeClr val="dk1"/>
+          </a:effectRef>
+          <a:fontRef idx="minor">
+            <a:schemeClr val="tx1"/>
+          </a:fontRef>
+        </p:style>
+      </p:cxnSp>
+      <p:sp>
+        <p:nvSpPr>
+          <p:cNvPr id="7" name="TextBox 6">
+            <a:extLst>
+              <a:ext uri="{FF2B5EF4-FFF2-40B4-BE49-F238E27FC236}">
+                <a16:creationId xmlns:a16="http://schemas.microsoft.com/office/drawing/2014/main" id="{9CD6BE68-5430-0046-B244-7BD4FA7D3251}"/>
+              </a:ext>
+            </a:extLst>
+          </p:cNvPr>
+          <p:cNvSpPr txBox="1"/>
+          <p:nvPr/>
+        </p:nvSpPr>
+        <p:spPr>
+          <a:xfrm>
+            <a:off x="707571" y="1690687"/>
+            <a:ext cx="809837" cy="369332"/>
+          </a:xfrm>
+          <a:prstGeom prst="rect">
+            <a:avLst/>
+          </a:prstGeom>
+          <a:noFill/>
+        </p:spPr>
+        <p:txBody>
+          <a:bodyPr wrap="none" rtlCol="0">
+            <a:spAutoFit/>
+          </a:bodyPr>
+          <a:lstStyle/>
+          <a:p>
+            <a:r>
+              <a:rPr lang="en-US" dirty="0"/>
+              <a:t>500ms</a:t>
+            </a:r>
+          </a:p>
+        </p:txBody>
+      </p:sp>
+      <p:sp>
+        <p:nvSpPr>
+          <p:cNvPr id="8" name="TextBox 7">
+            <a:extLst>
+              <a:ext uri="{FF2B5EF4-FFF2-40B4-BE49-F238E27FC236}">
+                <a16:creationId xmlns:a16="http://schemas.microsoft.com/office/drawing/2014/main" id="{7F2A7EF8-E4CB-A54B-95C0-52E60B5B7A31}"/>
+              </a:ext>
+            </a:extLst>
+          </p:cNvPr>
+          <p:cNvSpPr txBox="1"/>
+          <p:nvPr/>
+        </p:nvSpPr>
+        <p:spPr>
+          <a:xfrm>
+            <a:off x="2527406" y="1690687"/>
+            <a:ext cx="2942665" cy="646331"/>
+          </a:xfrm>
+          <a:prstGeom prst="rect">
+            <a:avLst/>
+          </a:prstGeom>
+          <a:noFill/>
+        </p:spPr>
+        <p:txBody>
+          <a:bodyPr wrap="none" rtlCol="0">
+            <a:spAutoFit/>
+          </a:bodyPr>
+          <a:lstStyle/>
+          <a:p>
+            <a:r>
+              <a:rPr lang="en-US" dirty="0"/>
+              <a:t>Arrow duration: &lt;=1000ms </a:t>
+            </a:r>
+          </a:p>
+          <a:p>
+            <a:r>
+              <a:rPr lang="en-US" dirty="0"/>
+              <a:t>(response terminates arrows)</a:t>
+            </a:r>
+          </a:p>
+        </p:txBody>
+      </p:sp>
+      <p:sp>
+        <p:nvSpPr>
+          <p:cNvPr id="9" name="TextBox 8">
+            <a:extLst>
+              <a:ext uri="{FF2B5EF4-FFF2-40B4-BE49-F238E27FC236}">
+                <a16:creationId xmlns:a16="http://schemas.microsoft.com/office/drawing/2014/main" id="{6F007694-956D-684E-A52A-7B69C804E391}"/>
+              </a:ext>
+            </a:extLst>
+          </p:cNvPr>
+          <p:cNvSpPr txBox="1"/>
+          <p:nvPr/>
+        </p:nvSpPr>
+        <p:spPr>
+          <a:xfrm>
+            <a:off x="4679276" y="6226629"/>
+            <a:ext cx="2343590" cy="369332"/>
+          </a:xfrm>
+          <a:prstGeom prst="rect">
+            <a:avLst/>
+          </a:prstGeom>
+          <a:noFill/>
+        </p:spPr>
+        <p:txBody>
+          <a:bodyPr wrap="none" rtlCol="0">
+            <a:spAutoFit/>
+          </a:bodyPr>
+          <a:lstStyle/>
+          <a:p>
+            <a:r>
+              <a:rPr lang="en-US" dirty="0"/>
+              <a:t>Trial duration: 3000 </a:t>
+            </a:r>
+            <a:r>
+              <a:rPr lang="en-US" dirty="0" err="1"/>
+              <a:t>ms</a:t>
+            </a:r>
+            <a:endParaRPr lang="en-US" dirty="0"/>
+          </a:p>
+        </p:txBody>
+      </p:sp>
+      <p:sp>
+        <p:nvSpPr>
+          <p:cNvPr id="10" name="TextBox 9">
+            <a:extLst>
+              <a:ext uri="{FF2B5EF4-FFF2-40B4-BE49-F238E27FC236}">
+                <a16:creationId xmlns:a16="http://schemas.microsoft.com/office/drawing/2014/main" id="{39594529-8141-4C4A-8C79-84A7A4B1F100}"/>
+              </a:ext>
+            </a:extLst>
+          </p:cNvPr>
+          <p:cNvSpPr txBox="1"/>
+          <p:nvPr/>
+        </p:nvSpPr>
+        <p:spPr>
+          <a:xfrm>
+            <a:off x="8411135" y="1149006"/>
+            <a:ext cx="3538341" cy="1477328"/>
+          </a:xfrm>
+          <a:prstGeom prst="rect">
+            <a:avLst/>
+          </a:prstGeom>
+          <a:noFill/>
+        </p:spPr>
+        <p:txBody>
+          <a:bodyPr wrap="none" rtlCol="0">
+            <a:spAutoFit/>
+          </a:bodyPr>
+          <a:lstStyle/>
+          <a:p>
+            <a:r>
+              <a:rPr lang="en-US" dirty="0"/>
+              <a:t>If response:</a:t>
+            </a:r>
+          </a:p>
+          <a:p>
+            <a:r>
+              <a:rPr lang="en-US" dirty="0"/>
+              <a:t>Fixation duration: </a:t>
+            </a:r>
+          </a:p>
+          <a:p>
+            <a:r>
+              <a:rPr lang="en-US" dirty="0"/>
+              <a:t>3000ms – initial fix (500ms) – arrow</a:t>
+            </a:r>
+          </a:p>
+          <a:p>
+            <a:r>
+              <a:rPr lang="en-US" dirty="0"/>
+              <a:t>If no response: </a:t>
+            </a:r>
+          </a:p>
+          <a:p>
+            <a:r>
+              <a:rPr lang="en-US" b="1" dirty="0">
+                <a:solidFill>
+                  <a:srgbClr val="FF0000"/>
+                </a:solidFill>
+              </a:rPr>
+              <a:t>TOO SLOW!! </a:t>
+            </a:r>
+            <a:r>
+              <a:rPr lang="en-US" dirty="0"/>
+              <a:t>Message displayed</a:t>
+            </a:r>
+          </a:p>
+        </p:txBody>
+      </p:sp>
     </p:spTree>
     <p:extLst>
       <p:ext uri="{BB962C8B-B14F-4D97-AF65-F5344CB8AC3E}">
